--- a/2018선린톤_아무것도안낸팀_PPT_최종.pptx
+++ b/2018선린톤_아무것도안낸팀_PPT_최종.pptx
@@ -4,20 +4,24 @@
   <p:sldMasterIdLst>
     <p:sldMasterId id="2147483648" r:id="rId1"/>
   </p:sldMasterIdLst>
+  <p:notesMasterIdLst>
+    <p:notesMasterId r:id="rId16"/>
+  </p:notesMasterIdLst>
   <p:sldIdLst>
     <p:sldId id="256" r:id="rId2"/>
     <p:sldId id="257" r:id="rId3"/>
-    <p:sldId id="258" r:id="rId4"/>
-    <p:sldId id="259" r:id="rId5"/>
-    <p:sldId id="260" r:id="rId6"/>
-    <p:sldId id="261" r:id="rId7"/>
-    <p:sldId id="262" r:id="rId8"/>
-    <p:sldId id="263" r:id="rId9"/>
-    <p:sldId id="264" r:id="rId10"/>
-    <p:sldId id="265" r:id="rId11"/>
-    <p:sldId id="266" r:id="rId12"/>
-    <p:sldId id="267" r:id="rId13"/>
-    <p:sldId id="268" r:id="rId14"/>
+    <p:sldId id="269" r:id="rId4"/>
+    <p:sldId id="258" r:id="rId5"/>
+    <p:sldId id="259" r:id="rId6"/>
+    <p:sldId id="260" r:id="rId7"/>
+    <p:sldId id="261" r:id="rId8"/>
+    <p:sldId id="262" r:id="rId9"/>
+    <p:sldId id="263" r:id="rId10"/>
+    <p:sldId id="264" r:id="rId11"/>
+    <p:sldId id="265" r:id="rId12"/>
+    <p:sldId id="266" r:id="rId13"/>
+    <p:sldId id="267" r:id="rId14"/>
+    <p:sldId id="268" r:id="rId15"/>
   </p:sldIdLst>
   <p:sldSz cx="12192000" cy="6858000"/>
   <p:notesSz cx="6858000" cy="9144000"/>
@@ -116,7 +120,1512 @@
       </a:defRPr>
     </a:lvl9pPr>
   </p:defaultTextStyle>
+  <p:extLst>
+    <p:ext uri="{EFAFB233-063F-42B5-8137-9DF3F51BA10A}">
+      <p15:sldGuideLst xmlns:p15="http://schemas.microsoft.com/office/powerpoint/2012/main"/>
+    </p:ext>
+  </p:extLst>
 </p:presentation>
+</file>
+
+<file path=ppt/notesMasters/notesMaster1.xml><?xml version="1.0" encoding="utf-8"?>
+<p:notesMaster xmlns:a="http://schemas.openxmlformats.org/drawingml/2006/main" xmlns:r="http://schemas.openxmlformats.org/officeDocument/2006/relationships" xmlns:p="http://schemas.openxmlformats.org/presentationml/2006/main">
+  <p:cSld>
+    <p:bg>
+      <p:bgRef idx="1001">
+        <a:schemeClr val="bg1"/>
+      </p:bgRef>
+    </p:bg>
+    <p:spTree>
+      <p:nvGrpSpPr>
+        <p:cNvPr id="1" name=""/>
+        <p:cNvGrpSpPr/>
+        <p:nvPr/>
+      </p:nvGrpSpPr>
+      <p:grpSpPr>
+        <a:xfrm>
+          <a:off x="0" y="0"/>
+          <a:ext cx="0" cy="0"/>
+          <a:chOff x="0" y="0"/>
+          <a:chExt cx="0" cy="0"/>
+        </a:xfrm>
+      </p:grpSpPr>
+      <p:sp>
+        <p:nvSpPr>
+          <p:cNvPr id="2" name="Header Placeholder 1"/>
+          <p:cNvSpPr>
+            <a:spLocks noGrp="1"/>
+          </p:cNvSpPr>
+          <p:nvPr>
+            <p:ph type="hdr" sz="quarter"/>
+          </p:nvPr>
+        </p:nvSpPr>
+        <p:spPr>
+          <a:xfrm>
+            <a:off x="0" y="0"/>
+            <a:ext cx="2971800" cy="458788"/>
+          </a:xfrm>
+          <a:prstGeom prst="rect">
+            <a:avLst/>
+          </a:prstGeom>
+        </p:spPr>
+        <p:txBody>
+          <a:bodyPr vert="horz" lIns="91440" tIns="45720" rIns="91440" bIns="45720" rtlCol="0"/>
+          <a:lstStyle>
+            <a:lvl1pPr algn="l">
+              <a:defRPr sz="1200"/>
+            </a:lvl1pPr>
+          </a:lstStyle>
+          <a:p>
+            <a:endParaRPr lang="en-US"/>
+          </a:p>
+        </p:txBody>
+      </p:sp>
+      <p:sp>
+        <p:nvSpPr>
+          <p:cNvPr id="3" name="Date Placeholder 2"/>
+          <p:cNvSpPr>
+            <a:spLocks noGrp="1"/>
+          </p:cNvSpPr>
+          <p:nvPr>
+            <p:ph type="dt" idx="1"/>
+          </p:nvPr>
+        </p:nvSpPr>
+        <p:spPr>
+          <a:xfrm>
+            <a:off x="3884613" y="0"/>
+            <a:ext cx="2971800" cy="458788"/>
+          </a:xfrm>
+          <a:prstGeom prst="rect">
+            <a:avLst/>
+          </a:prstGeom>
+        </p:spPr>
+        <p:txBody>
+          <a:bodyPr vert="horz" lIns="91440" tIns="45720" rIns="91440" bIns="45720" rtlCol="0"/>
+          <a:lstStyle>
+            <a:lvl1pPr algn="r">
+              <a:defRPr sz="1200"/>
+            </a:lvl1pPr>
+          </a:lstStyle>
+          <a:p>
+            <a:fld id="{6CAB0E3F-081A-8349-96E4-80BF401BDD65}" type="datetimeFigureOut">
+              <a:rPr lang="en-US" smtClean="0"/>
+              <a:t>7/21/18</a:t>
+            </a:fld>
+            <a:endParaRPr lang="en-US"/>
+          </a:p>
+        </p:txBody>
+      </p:sp>
+      <p:sp>
+        <p:nvSpPr>
+          <p:cNvPr id="4" name="Slide Image Placeholder 3"/>
+          <p:cNvSpPr>
+            <a:spLocks noGrp="1" noRot="1" noChangeAspect="1"/>
+          </p:cNvSpPr>
+          <p:nvPr>
+            <p:ph type="sldImg" idx="2"/>
+          </p:nvPr>
+        </p:nvSpPr>
+        <p:spPr>
+          <a:xfrm>
+            <a:off x="685800" y="1143000"/>
+            <a:ext cx="5486400" cy="3086100"/>
+          </a:xfrm>
+          <a:prstGeom prst="rect">
+            <a:avLst/>
+          </a:prstGeom>
+          <a:noFill/>
+          <a:ln w="12700">
+            <a:solidFill>
+              <a:prstClr val="black"/>
+            </a:solidFill>
+          </a:ln>
+        </p:spPr>
+        <p:txBody>
+          <a:bodyPr vert="horz" lIns="91440" tIns="45720" rIns="91440" bIns="45720" rtlCol="0" anchor="ctr"/>
+          <a:lstStyle/>
+          <a:p>
+            <a:endParaRPr lang="en-US"/>
+          </a:p>
+        </p:txBody>
+      </p:sp>
+      <p:sp>
+        <p:nvSpPr>
+          <p:cNvPr id="5" name="Notes Placeholder 4"/>
+          <p:cNvSpPr>
+            <a:spLocks noGrp="1"/>
+          </p:cNvSpPr>
+          <p:nvPr>
+            <p:ph type="body" sz="quarter" idx="3"/>
+          </p:nvPr>
+        </p:nvSpPr>
+        <p:spPr>
+          <a:xfrm>
+            <a:off x="685800" y="4400550"/>
+            <a:ext cx="5486400" cy="3600450"/>
+          </a:xfrm>
+          <a:prstGeom prst="rect">
+            <a:avLst/>
+          </a:prstGeom>
+        </p:spPr>
+        <p:txBody>
+          <a:bodyPr vert="horz" lIns="91440" tIns="45720" rIns="91440" bIns="45720" rtlCol="0"/>
+          <a:lstStyle/>
+          <a:p>
+            <a:pPr lvl="0"/>
+            <a:r>
+              <a:rPr lang="en-US" smtClean="0"/>
+              <a:t>Click to edit Master text styles</a:t>
+            </a:r>
+          </a:p>
+          <a:p>
+            <a:pPr lvl="1"/>
+            <a:r>
+              <a:rPr lang="en-US" smtClean="0"/>
+              <a:t>Second level</a:t>
+            </a:r>
+          </a:p>
+          <a:p>
+            <a:pPr lvl="2"/>
+            <a:r>
+              <a:rPr lang="en-US" smtClean="0"/>
+              <a:t>Third level</a:t>
+            </a:r>
+          </a:p>
+          <a:p>
+            <a:pPr lvl="3"/>
+            <a:r>
+              <a:rPr lang="en-US" smtClean="0"/>
+              <a:t>Fourth level</a:t>
+            </a:r>
+          </a:p>
+          <a:p>
+            <a:pPr lvl="4"/>
+            <a:r>
+              <a:rPr lang="en-US" smtClean="0"/>
+              <a:t>Fifth level</a:t>
+            </a:r>
+            <a:endParaRPr lang="en-US"/>
+          </a:p>
+        </p:txBody>
+      </p:sp>
+      <p:sp>
+        <p:nvSpPr>
+          <p:cNvPr id="6" name="Footer Placeholder 5"/>
+          <p:cNvSpPr>
+            <a:spLocks noGrp="1"/>
+          </p:cNvSpPr>
+          <p:nvPr>
+            <p:ph type="ftr" sz="quarter" idx="4"/>
+          </p:nvPr>
+        </p:nvSpPr>
+        <p:spPr>
+          <a:xfrm>
+            <a:off x="0" y="8685213"/>
+            <a:ext cx="2971800" cy="458787"/>
+          </a:xfrm>
+          <a:prstGeom prst="rect">
+            <a:avLst/>
+          </a:prstGeom>
+        </p:spPr>
+        <p:txBody>
+          <a:bodyPr vert="horz" lIns="91440" tIns="45720" rIns="91440" bIns="45720" rtlCol="0" anchor="b"/>
+          <a:lstStyle>
+            <a:lvl1pPr algn="l">
+              <a:defRPr sz="1200"/>
+            </a:lvl1pPr>
+          </a:lstStyle>
+          <a:p>
+            <a:endParaRPr lang="en-US"/>
+          </a:p>
+        </p:txBody>
+      </p:sp>
+      <p:sp>
+        <p:nvSpPr>
+          <p:cNvPr id="7" name="Slide Number Placeholder 6"/>
+          <p:cNvSpPr>
+            <a:spLocks noGrp="1"/>
+          </p:cNvSpPr>
+          <p:nvPr>
+            <p:ph type="sldNum" sz="quarter" idx="5"/>
+          </p:nvPr>
+        </p:nvSpPr>
+        <p:spPr>
+          <a:xfrm>
+            <a:off x="3884613" y="8685213"/>
+            <a:ext cx="2971800" cy="458787"/>
+          </a:xfrm>
+          <a:prstGeom prst="rect">
+            <a:avLst/>
+          </a:prstGeom>
+        </p:spPr>
+        <p:txBody>
+          <a:bodyPr vert="horz" lIns="91440" tIns="45720" rIns="91440" bIns="45720" rtlCol="0" anchor="b"/>
+          <a:lstStyle>
+            <a:lvl1pPr algn="r">
+              <a:defRPr sz="1200"/>
+            </a:lvl1pPr>
+          </a:lstStyle>
+          <a:p>
+            <a:fld id="{FEADBD48-C7E4-4D4F-83A9-5011107796B7}" type="slidenum">
+              <a:rPr lang="en-US" smtClean="0"/>
+              <a:t>‹#›</a:t>
+            </a:fld>
+            <a:endParaRPr lang="en-US"/>
+          </a:p>
+        </p:txBody>
+      </p:sp>
+    </p:spTree>
+    <p:extLst>
+      <p:ext uri="{BB962C8B-B14F-4D97-AF65-F5344CB8AC3E}">
+        <p14:creationId xmlns:p14="http://schemas.microsoft.com/office/powerpoint/2010/main" val="278722862"/>
+      </p:ext>
+    </p:extLst>
+  </p:cSld>
+  <p:clrMap bg1="lt1" tx1="dk1" bg2="lt2" tx2="dk2" accent1="accent1" accent2="accent2" accent3="accent3" accent4="accent4" accent5="accent5" accent6="accent6" hlink="hlink" folHlink="folHlink"/>
+  <p:notesStyle>
+    <a:lvl1pPr marL="0" algn="l" defTabSz="914400" rtl="0" eaLnBrk="1" latinLnBrk="0" hangingPunct="1">
+      <a:defRPr sz="1200" kern="1200">
+        <a:solidFill>
+          <a:schemeClr val="tx1"/>
+        </a:solidFill>
+        <a:latin typeface="+mn-lt"/>
+        <a:ea typeface="+mn-ea"/>
+        <a:cs typeface="+mn-cs"/>
+      </a:defRPr>
+    </a:lvl1pPr>
+    <a:lvl2pPr marL="457200" algn="l" defTabSz="914400" rtl="0" eaLnBrk="1" latinLnBrk="0" hangingPunct="1">
+      <a:defRPr sz="1200" kern="1200">
+        <a:solidFill>
+          <a:schemeClr val="tx1"/>
+        </a:solidFill>
+        <a:latin typeface="+mn-lt"/>
+        <a:ea typeface="+mn-ea"/>
+        <a:cs typeface="+mn-cs"/>
+      </a:defRPr>
+    </a:lvl2pPr>
+    <a:lvl3pPr marL="914400" algn="l" defTabSz="914400" rtl="0" eaLnBrk="1" latinLnBrk="0" hangingPunct="1">
+      <a:defRPr sz="1200" kern="1200">
+        <a:solidFill>
+          <a:schemeClr val="tx1"/>
+        </a:solidFill>
+        <a:latin typeface="+mn-lt"/>
+        <a:ea typeface="+mn-ea"/>
+        <a:cs typeface="+mn-cs"/>
+      </a:defRPr>
+    </a:lvl3pPr>
+    <a:lvl4pPr marL="1371600" algn="l" defTabSz="914400" rtl="0" eaLnBrk="1" latinLnBrk="0" hangingPunct="1">
+      <a:defRPr sz="1200" kern="1200">
+        <a:solidFill>
+          <a:schemeClr val="tx1"/>
+        </a:solidFill>
+        <a:latin typeface="+mn-lt"/>
+        <a:ea typeface="+mn-ea"/>
+        <a:cs typeface="+mn-cs"/>
+      </a:defRPr>
+    </a:lvl4pPr>
+    <a:lvl5pPr marL="1828800" algn="l" defTabSz="914400" rtl="0" eaLnBrk="1" latinLnBrk="0" hangingPunct="1">
+      <a:defRPr sz="1200" kern="1200">
+        <a:solidFill>
+          <a:schemeClr val="tx1"/>
+        </a:solidFill>
+        <a:latin typeface="+mn-lt"/>
+        <a:ea typeface="+mn-ea"/>
+        <a:cs typeface="+mn-cs"/>
+      </a:defRPr>
+    </a:lvl5pPr>
+    <a:lvl6pPr marL="2286000" algn="l" defTabSz="914400" rtl="0" eaLnBrk="1" latinLnBrk="0" hangingPunct="1">
+      <a:defRPr sz="1200" kern="1200">
+        <a:solidFill>
+          <a:schemeClr val="tx1"/>
+        </a:solidFill>
+        <a:latin typeface="+mn-lt"/>
+        <a:ea typeface="+mn-ea"/>
+        <a:cs typeface="+mn-cs"/>
+      </a:defRPr>
+    </a:lvl6pPr>
+    <a:lvl7pPr marL="2743200" algn="l" defTabSz="914400" rtl="0" eaLnBrk="1" latinLnBrk="0" hangingPunct="1">
+      <a:defRPr sz="1200" kern="1200">
+        <a:solidFill>
+          <a:schemeClr val="tx1"/>
+        </a:solidFill>
+        <a:latin typeface="+mn-lt"/>
+        <a:ea typeface="+mn-ea"/>
+        <a:cs typeface="+mn-cs"/>
+      </a:defRPr>
+    </a:lvl7pPr>
+    <a:lvl8pPr marL="3200400" algn="l" defTabSz="914400" rtl="0" eaLnBrk="1" latinLnBrk="0" hangingPunct="1">
+      <a:defRPr sz="1200" kern="1200">
+        <a:solidFill>
+          <a:schemeClr val="tx1"/>
+        </a:solidFill>
+        <a:latin typeface="+mn-lt"/>
+        <a:ea typeface="+mn-ea"/>
+        <a:cs typeface="+mn-cs"/>
+      </a:defRPr>
+    </a:lvl8pPr>
+    <a:lvl9pPr marL="3657600" algn="l" defTabSz="914400" rtl="0" eaLnBrk="1" latinLnBrk="0" hangingPunct="1">
+      <a:defRPr sz="1200" kern="1200">
+        <a:solidFill>
+          <a:schemeClr val="tx1"/>
+        </a:solidFill>
+        <a:latin typeface="+mn-lt"/>
+        <a:ea typeface="+mn-ea"/>
+        <a:cs typeface="+mn-cs"/>
+      </a:defRPr>
+    </a:lvl9pPr>
+  </p:notesStyle>
+</p:notesMaster>
+</file>
+
+<file path=ppt/notesSlides/notesSlide1.xml><?xml version="1.0" encoding="utf-8"?>
+<p:notes xmlns:a="http://schemas.openxmlformats.org/drawingml/2006/main" xmlns:r="http://schemas.openxmlformats.org/officeDocument/2006/relationships" xmlns:p="http://schemas.openxmlformats.org/presentationml/2006/main">
+  <p:cSld>
+    <p:spTree>
+      <p:nvGrpSpPr>
+        <p:cNvPr id="1" name=""/>
+        <p:cNvGrpSpPr/>
+        <p:nvPr/>
+      </p:nvGrpSpPr>
+      <p:grpSpPr>
+        <a:xfrm>
+          <a:off x="0" y="0"/>
+          <a:ext cx="0" cy="0"/>
+          <a:chOff x="0" y="0"/>
+          <a:chExt cx="0" cy="0"/>
+        </a:xfrm>
+      </p:grpSpPr>
+      <p:sp>
+        <p:nvSpPr>
+          <p:cNvPr id="2" name="Slide Image Placeholder 1"/>
+          <p:cNvSpPr>
+            <a:spLocks noGrp="1" noRot="1" noChangeAspect="1"/>
+          </p:cNvSpPr>
+          <p:nvPr>
+            <p:ph type="sldImg"/>
+          </p:nvPr>
+        </p:nvSpPr>
+        <p:spPr/>
+      </p:sp>
+      <p:sp>
+        <p:nvSpPr>
+          <p:cNvPr id="3" name="Notes Placeholder 2"/>
+          <p:cNvSpPr>
+            <a:spLocks noGrp="1"/>
+          </p:cNvSpPr>
+          <p:nvPr>
+            <p:ph type="body" idx="1"/>
+          </p:nvPr>
+        </p:nvSpPr>
+        <p:spPr/>
+        <p:txBody>
+          <a:bodyPr/>
+          <a:lstStyle/>
+          <a:p>
+            <a:r>
+              <a:rPr lang="ko-KR" altLang="en-US" dirty="0" smtClean="0"/>
+              <a:t>안녕하세요</a:t>
+            </a:r>
+            <a:r>
+              <a:rPr lang="en-US" altLang="ko-KR" dirty="0" smtClean="0"/>
+              <a:t>.</a:t>
+            </a:r>
+            <a:r>
+              <a:rPr lang="ko-KR" altLang="en-US" dirty="0" smtClean="0"/>
+              <a:t> 저는 아무것도 안낸 팀의 발표자</a:t>
+            </a:r>
+            <a:r>
+              <a:rPr lang="en-US" altLang="ko-KR" baseline="0" dirty="0" smtClean="0"/>
+              <a:t> </a:t>
+            </a:r>
+            <a:r>
+              <a:rPr lang="ko-KR" altLang="en-US" baseline="0" dirty="0" smtClean="0"/>
+              <a:t>임성우입니다</a:t>
+            </a:r>
+            <a:r>
+              <a:rPr lang="en-US" altLang="ko-KR" baseline="0" dirty="0" smtClean="0"/>
+              <a:t>.</a:t>
+            </a:r>
+            <a:endParaRPr lang="ko-KR" altLang="en-US" baseline="0" dirty="0" smtClean="0"/>
+          </a:p>
+          <a:p>
+            <a:r>
+              <a:rPr lang="ko-KR" altLang="en-US" baseline="0" dirty="0" smtClean="0"/>
+              <a:t>저희 팀은 이번 대회에서 층간소음 예방 및 소통 애플리케이션인 </a:t>
+            </a:r>
+            <a:r>
+              <a:rPr lang="en-US" altLang="ko-KR" baseline="0" dirty="0" err="1" smtClean="0"/>
+              <a:t>InterPeople</a:t>
+            </a:r>
+            <a:r>
+              <a:rPr lang="ko-KR" altLang="en-US" baseline="0" dirty="0" smtClean="0"/>
+              <a:t>을 개발하였습니다</a:t>
+            </a:r>
+            <a:r>
+              <a:rPr lang="en-US" altLang="ko-KR" baseline="0" dirty="0" smtClean="0"/>
+              <a:t>.</a:t>
+            </a:r>
+            <a:endParaRPr lang="en-US" dirty="0"/>
+          </a:p>
+        </p:txBody>
+      </p:sp>
+      <p:sp>
+        <p:nvSpPr>
+          <p:cNvPr id="4" name="Slide Number Placeholder 3"/>
+          <p:cNvSpPr>
+            <a:spLocks noGrp="1"/>
+          </p:cNvSpPr>
+          <p:nvPr>
+            <p:ph type="sldNum" sz="quarter" idx="10"/>
+          </p:nvPr>
+        </p:nvSpPr>
+        <p:spPr/>
+        <p:txBody>
+          <a:bodyPr/>
+          <a:lstStyle/>
+          <a:p>
+            <a:fld id="{FEADBD48-C7E4-4D4F-83A9-5011107796B7}" type="slidenum">
+              <a:rPr lang="en-US" smtClean="0"/>
+              <a:t>1</a:t>
+            </a:fld>
+            <a:endParaRPr lang="en-US"/>
+          </a:p>
+        </p:txBody>
+      </p:sp>
+    </p:spTree>
+    <p:extLst>
+      <p:ext uri="{BB962C8B-B14F-4D97-AF65-F5344CB8AC3E}">
+        <p14:creationId xmlns:p14="http://schemas.microsoft.com/office/powerpoint/2010/main" val="233665123"/>
+      </p:ext>
+    </p:extLst>
+  </p:cSld>
+  <p:clrMapOvr>
+    <a:masterClrMapping/>
+  </p:clrMapOvr>
+</p:notes>
+</file>
+
+<file path=ppt/notesSlides/notesSlide2.xml><?xml version="1.0" encoding="utf-8"?>
+<p:notes xmlns:a="http://schemas.openxmlformats.org/drawingml/2006/main" xmlns:r="http://schemas.openxmlformats.org/officeDocument/2006/relationships" xmlns:p="http://schemas.openxmlformats.org/presentationml/2006/main">
+  <p:cSld>
+    <p:spTree>
+      <p:nvGrpSpPr>
+        <p:cNvPr id="1" name=""/>
+        <p:cNvGrpSpPr/>
+        <p:nvPr/>
+      </p:nvGrpSpPr>
+      <p:grpSpPr>
+        <a:xfrm>
+          <a:off x="0" y="0"/>
+          <a:ext cx="0" cy="0"/>
+          <a:chOff x="0" y="0"/>
+          <a:chExt cx="0" cy="0"/>
+        </a:xfrm>
+      </p:grpSpPr>
+      <p:sp>
+        <p:nvSpPr>
+          <p:cNvPr id="2" name="Slide Image Placeholder 1"/>
+          <p:cNvSpPr>
+            <a:spLocks noGrp="1" noRot="1" noChangeAspect="1"/>
+          </p:cNvSpPr>
+          <p:nvPr>
+            <p:ph type="sldImg"/>
+          </p:nvPr>
+        </p:nvSpPr>
+        <p:spPr/>
+      </p:sp>
+      <p:sp>
+        <p:nvSpPr>
+          <p:cNvPr id="3" name="Notes Placeholder 2"/>
+          <p:cNvSpPr>
+            <a:spLocks noGrp="1"/>
+          </p:cNvSpPr>
+          <p:nvPr>
+            <p:ph type="body" idx="1"/>
+          </p:nvPr>
+        </p:nvSpPr>
+        <p:spPr/>
+        <p:txBody>
+          <a:bodyPr/>
+          <a:lstStyle/>
+          <a:p>
+            <a:r>
+              <a:rPr lang="ko-KR" altLang="en-US" dirty="0" smtClean="0"/>
+              <a:t>목차입니다</a:t>
+            </a:r>
+            <a:r>
+              <a:rPr lang="en-US" altLang="ko-KR" dirty="0" smtClean="0"/>
+              <a:t>.</a:t>
+            </a:r>
+            <a:endParaRPr lang="ko-KR" altLang="en-US" dirty="0" smtClean="0"/>
+          </a:p>
+          <a:p>
+            <a:r>
+              <a:rPr lang="ko-KR" altLang="en-US" dirty="0" smtClean="0"/>
+              <a:t>첫번째로는 주제 소개</a:t>
+            </a:r>
+            <a:r>
+              <a:rPr lang="en-US" altLang="ko-KR" dirty="0" smtClean="0"/>
+              <a:t>,</a:t>
+            </a:r>
+            <a:endParaRPr lang="ko-KR" altLang="en-US" dirty="0" smtClean="0"/>
+          </a:p>
+          <a:p>
+            <a:r>
+              <a:rPr lang="ko-KR" altLang="en-US" dirty="0" smtClean="0"/>
+              <a:t>두번째로는 저희가 이 앱을 기획하게 된 의도</a:t>
+            </a:r>
+            <a:r>
+              <a:rPr lang="en-US" altLang="ko-KR" dirty="0" smtClean="0"/>
+              <a:t>,</a:t>
+            </a:r>
+            <a:endParaRPr lang="ko-KR" altLang="en-US" dirty="0" smtClean="0"/>
+          </a:p>
+          <a:p>
+            <a:endParaRPr lang="en-US" dirty="0"/>
+          </a:p>
+        </p:txBody>
+      </p:sp>
+      <p:sp>
+        <p:nvSpPr>
+          <p:cNvPr id="4" name="Slide Number Placeholder 3"/>
+          <p:cNvSpPr>
+            <a:spLocks noGrp="1"/>
+          </p:cNvSpPr>
+          <p:nvPr>
+            <p:ph type="sldNum" sz="quarter" idx="10"/>
+          </p:nvPr>
+        </p:nvSpPr>
+        <p:spPr/>
+        <p:txBody>
+          <a:bodyPr/>
+          <a:lstStyle/>
+          <a:p>
+            <a:fld id="{FEADBD48-C7E4-4D4F-83A9-5011107796B7}" type="slidenum">
+              <a:rPr lang="en-US" smtClean="0"/>
+              <a:t>2</a:t>
+            </a:fld>
+            <a:endParaRPr lang="en-US"/>
+          </a:p>
+        </p:txBody>
+      </p:sp>
+    </p:spTree>
+    <p:extLst>
+      <p:ext uri="{BB962C8B-B14F-4D97-AF65-F5344CB8AC3E}">
+        <p14:creationId xmlns:p14="http://schemas.microsoft.com/office/powerpoint/2010/main" val="2145174067"/>
+      </p:ext>
+    </p:extLst>
+  </p:cSld>
+  <p:clrMapOvr>
+    <a:masterClrMapping/>
+  </p:clrMapOvr>
+</p:notes>
+</file>
+
+<file path=ppt/notesSlides/notesSlide3.xml><?xml version="1.0" encoding="utf-8"?>
+<p:notes xmlns:a="http://schemas.openxmlformats.org/drawingml/2006/main" xmlns:r="http://schemas.openxmlformats.org/officeDocument/2006/relationships" xmlns:p="http://schemas.openxmlformats.org/presentationml/2006/main">
+  <p:cSld>
+    <p:spTree>
+      <p:nvGrpSpPr>
+        <p:cNvPr id="1" name=""/>
+        <p:cNvGrpSpPr/>
+        <p:nvPr/>
+      </p:nvGrpSpPr>
+      <p:grpSpPr>
+        <a:xfrm>
+          <a:off x="0" y="0"/>
+          <a:ext cx="0" cy="0"/>
+          <a:chOff x="0" y="0"/>
+          <a:chExt cx="0" cy="0"/>
+        </a:xfrm>
+      </p:grpSpPr>
+      <p:sp>
+        <p:nvSpPr>
+          <p:cNvPr id="2" name="Slide Image Placeholder 1"/>
+          <p:cNvSpPr>
+            <a:spLocks noGrp="1" noRot="1" noChangeAspect="1"/>
+          </p:cNvSpPr>
+          <p:nvPr>
+            <p:ph type="sldImg"/>
+          </p:nvPr>
+        </p:nvSpPr>
+        <p:spPr/>
+      </p:sp>
+      <p:sp>
+        <p:nvSpPr>
+          <p:cNvPr id="3" name="Notes Placeholder 2"/>
+          <p:cNvSpPr>
+            <a:spLocks noGrp="1"/>
+          </p:cNvSpPr>
+          <p:nvPr>
+            <p:ph type="body" idx="1"/>
+          </p:nvPr>
+        </p:nvSpPr>
+        <p:spPr/>
+        <p:txBody>
+          <a:bodyPr/>
+          <a:lstStyle/>
+          <a:p>
+            <a:r>
+              <a:rPr lang="ko-KR" altLang="en-US" dirty="0" smtClean="0"/>
+              <a:t>이번 대회의 주제는 도시문제입니다</a:t>
+            </a:r>
+            <a:r>
+              <a:rPr lang="en-US" altLang="ko-KR" dirty="0" smtClean="0"/>
+              <a:t>.</a:t>
+            </a:r>
+            <a:r>
+              <a:rPr lang="ko-KR" altLang="en-US" dirty="0" smtClean="0"/>
+              <a:t> 현재 우리나라에서 접할 수 있는 큰 도시문제인 소음공해</a:t>
+            </a:r>
+            <a:r>
+              <a:rPr lang="en-US" altLang="ko-KR" dirty="0" smtClean="0"/>
+              <a:t>,</a:t>
+            </a:r>
+            <a:r>
+              <a:rPr lang="ko-KR" altLang="en-US" dirty="0" smtClean="0"/>
+              <a:t> 특히 우리 주변에서 쉽게 경험하게 되는 생활 소음</a:t>
+            </a:r>
+            <a:r>
+              <a:rPr lang="en-US" altLang="ko-KR" dirty="0" smtClean="0"/>
+              <a:t>,</a:t>
+            </a:r>
+            <a:r>
+              <a:rPr lang="ko-KR" altLang="en-US" dirty="0" smtClean="0"/>
+              <a:t> 층간 소음을 앱을 만드는 주제로 삼게 되었습니다</a:t>
+            </a:r>
+            <a:r>
+              <a:rPr lang="en-US" altLang="ko-KR" dirty="0" smtClean="0"/>
+              <a:t>.</a:t>
+            </a:r>
+            <a:endParaRPr lang="en-US" dirty="0"/>
+          </a:p>
+        </p:txBody>
+      </p:sp>
+      <p:sp>
+        <p:nvSpPr>
+          <p:cNvPr id="4" name="Slide Number Placeholder 3"/>
+          <p:cNvSpPr>
+            <a:spLocks noGrp="1"/>
+          </p:cNvSpPr>
+          <p:nvPr>
+            <p:ph type="sldNum" sz="quarter" idx="10"/>
+          </p:nvPr>
+        </p:nvSpPr>
+        <p:spPr/>
+        <p:txBody>
+          <a:bodyPr/>
+          <a:lstStyle/>
+          <a:p>
+            <a:fld id="{FEADBD48-C7E4-4D4F-83A9-5011107796B7}" type="slidenum">
+              <a:rPr lang="en-US" smtClean="0"/>
+              <a:t>4</a:t>
+            </a:fld>
+            <a:endParaRPr lang="en-US"/>
+          </a:p>
+        </p:txBody>
+      </p:sp>
+    </p:spTree>
+    <p:extLst>
+      <p:ext uri="{BB962C8B-B14F-4D97-AF65-F5344CB8AC3E}">
+        <p14:creationId xmlns:p14="http://schemas.microsoft.com/office/powerpoint/2010/main" val="1141616124"/>
+      </p:ext>
+    </p:extLst>
+  </p:cSld>
+  <p:clrMapOvr>
+    <a:masterClrMapping/>
+  </p:clrMapOvr>
+</p:notes>
+</file>
+
+<file path=ppt/notesSlides/notesSlide4.xml><?xml version="1.0" encoding="utf-8"?>
+<p:notes xmlns:a="http://schemas.openxmlformats.org/drawingml/2006/main" xmlns:r="http://schemas.openxmlformats.org/officeDocument/2006/relationships" xmlns:p="http://schemas.openxmlformats.org/presentationml/2006/main">
+  <p:cSld>
+    <p:spTree>
+      <p:nvGrpSpPr>
+        <p:cNvPr id="1" name=""/>
+        <p:cNvGrpSpPr/>
+        <p:nvPr/>
+      </p:nvGrpSpPr>
+      <p:grpSpPr>
+        <a:xfrm>
+          <a:off x="0" y="0"/>
+          <a:ext cx="0" cy="0"/>
+          <a:chOff x="0" y="0"/>
+          <a:chExt cx="0" cy="0"/>
+        </a:xfrm>
+      </p:grpSpPr>
+      <p:sp>
+        <p:nvSpPr>
+          <p:cNvPr id="2" name="Slide Image Placeholder 1"/>
+          <p:cNvSpPr>
+            <a:spLocks noGrp="1" noRot="1" noChangeAspect="1"/>
+          </p:cNvSpPr>
+          <p:nvPr>
+            <p:ph type="sldImg"/>
+          </p:nvPr>
+        </p:nvSpPr>
+        <p:spPr/>
+      </p:sp>
+      <p:sp>
+        <p:nvSpPr>
+          <p:cNvPr id="3" name="Notes Placeholder 2"/>
+          <p:cNvSpPr>
+            <a:spLocks noGrp="1"/>
+          </p:cNvSpPr>
+          <p:nvPr>
+            <p:ph type="body" idx="1"/>
+          </p:nvPr>
+        </p:nvSpPr>
+        <p:spPr/>
+        <p:txBody>
+          <a:bodyPr/>
+          <a:lstStyle/>
+          <a:p>
+            <a:r>
+              <a:rPr lang="ko-KR" altLang="en-US" dirty="0" smtClean="0"/>
+              <a:t>저희 앱의 기획 의도입니다</a:t>
+            </a:r>
+            <a:r>
+              <a:rPr lang="en-US" altLang="ko-KR" dirty="0" smtClean="0"/>
+              <a:t>.</a:t>
+            </a:r>
+            <a:endParaRPr lang="ko-KR" altLang="en-US" dirty="0" smtClean="0"/>
+          </a:p>
+          <a:p>
+            <a:r>
+              <a:rPr lang="ko-KR" altLang="en-US" dirty="0" smtClean="0"/>
+              <a:t>먼저 </a:t>
+            </a:r>
+            <a:r>
+              <a:rPr lang="en-US" altLang="ko-KR" dirty="0" smtClean="0"/>
+              <a:t>SBS </a:t>
+            </a:r>
+            <a:r>
+              <a:rPr lang="ko-KR" altLang="en-US" dirty="0" smtClean="0"/>
+              <a:t>뉴스 기사를 보시겠습니다</a:t>
+            </a:r>
+            <a:r>
+              <a:rPr lang="en-US" altLang="ko-KR" dirty="0" smtClean="0"/>
+              <a:t>.</a:t>
+            </a:r>
+            <a:endParaRPr lang="ko-KR" altLang="en-US" dirty="0" smtClean="0"/>
+          </a:p>
+          <a:p>
+            <a:r>
+              <a:rPr lang="ko-KR" altLang="en-US" dirty="0" smtClean="0"/>
+              <a:t>대도시 주거지역의 소음공해는 점점 심각해지고</a:t>
+            </a:r>
+            <a:r>
+              <a:rPr lang="en-US" altLang="ko-KR" dirty="0" smtClean="0"/>
+              <a:t>,</a:t>
+            </a:r>
+            <a:endParaRPr lang="ko-KR" altLang="en-US" dirty="0" smtClean="0"/>
+          </a:p>
+          <a:p>
+            <a:r>
+              <a:rPr lang="en-US" altLang="ko-KR" dirty="0" smtClean="0"/>
+              <a:t>(</a:t>
+            </a:r>
+            <a:r>
+              <a:rPr lang="ko-KR" altLang="en-US" dirty="0" smtClean="0"/>
+              <a:t>무지개 동그라미 차례로 가르키면서</a:t>
+            </a:r>
+            <a:r>
+              <a:rPr lang="en-US" altLang="ko-KR" dirty="0" smtClean="0"/>
+              <a:t>)</a:t>
+            </a:r>
+            <a:r>
+              <a:rPr lang="ko-KR" altLang="en-US" dirty="0" smtClean="0"/>
+              <a:t> 서울</a:t>
+            </a:r>
+            <a:r>
+              <a:rPr lang="ko-KR" altLang="en-US" baseline="0" dirty="0" smtClean="0"/>
+              <a:t> </a:t>
+            </a:r>
+            <a:r>
+              <a:rPr lang="en-US" altLang="ko-KR" baseline="0" dirty="0" smtClean="0"/>
+              <a:t>,</a:t>
+            </a:r>
+            <a:r>
+              <a:rPr lang="ko-KR" altLang="en-US" baseline="0" dirty="0" smtClean="0"/>
+              <a:t> 부산</a:t>
+            </a:r>
+            <a:r>
+              <a:rPr lang="en-US" altLang="ko-KR" baseline="0" dirty="0" smtClean="0"/>
+              <a:t>,</a:t>
+            </a:r>
+            <a:r>
+              <a:rPr lang="ko-KR" altLang="en-US" baseline="0" dirty="0" smtClean="0"/>
+              <a:t> 대구 및 주요 도시들이 </a:t>
+            </a:r>
+            <a:r>
+              <a:rPr lang="en-US" altLang="ko-KR" baseline="0" dirty="0" smtClean="0"/>
+              <a:t>70dB(</a:t>
+            </a:r>
+            <a:r>
+              <a:rPr lang="ko-KR" altLang="en-US" baseline="0" dirty="0" smtClean="0"/>
+              <a:t>데시벨</a:t>
+            </a:r>
+            <a:r>
+              <a:rPr lang="en-US" altLang="ko-KR" baseline="0" dirty="0" smtClean="0"/>
+              <a:t>)</a:t>
+            </a:r>
+            <a:r>
+              <a:rPr lang="ko-KR" altLang="en-US" baseline="0" dirty="0" smtClean="0"/>
+              <a:t>을 웃도는</a:t>
+            </a:r>
+          </a:p>
+          <a:p>
+            <a:r>
+              <a:rPr lang="ko-KR" altLang="en-US" baseline="0" dirty="0" smtClean="0"/>
+              <a:t>소음도를 기록해 </a:t>
+            </a:r>
+            <a:r>
+              <a:rPr lang="en-US" altLang="ko-KR" baseline="0" dirty="0" smtClean="0"/>
+              <a:t>70</a:t>
+            </a:r>
+            <a:r>
+              <a:rPr lang="ko-KR" altLang="en-US" baseline="0" dirty="0" smtClean="0"/>
+              <a:t>데시벨 수준의 전화벨소리와 비슷한 소음도를 보였습니다</a:t>
+            </a:r>
+            <a:r>
+              <a:rPr lang="en-US" altLang="ko-KR" baseline="0" dirty="0" smtClean="0"/>
+              <a:t>.</a:t>
+            </a:r>
+            <a:endParaRPr lang="ko-KR" altLang="en-US" baseline="0" dirty="0" smtClean="0"/>
+          </a:p>
+          <a:p>
+            <a:r>
+              <a:rPr lang="ko-KR" altLang="en-US" dirty="0" smtClean="0"/>
+              <a:t>이런 경우 유사한 수준의 소음이 지속적으로 노출될 시 스트레스 발생 등 부작용이 발생할 수 있습니다</a:t>
+            </a:r>
+            <a:r>
+              <a:rPr lang="en-US" altLang="ko-KR" dirty="0" smtClean="0"/>
+              <a:t>.</a:t>
+            </a:r>
+            <a:endParaRPr lang="en-US" dirty="0"/>
+          </a:p>
+        </p:txBody>
+      </p:sp>
+      <p:sp>
+        <p:nvSpPr>
+          <p:cNvPr id="4" name="Slide Number Placeholder 3"/>
+          <p:cNvSpPr>
+            <a:spLocks noGrp="1"/>
+          </p:cNvSpPr>
+          <p:nvPr>
+            <p:ph type="sldNum" sz="quarter" idx="10"/>
+          </p:nvPr>
+        </p:nvSpPr>
+        <p:spPr/>
+        <p:txBody>
+          <a:bodyPr/>
+          <a:lstStyle/>
+          <a:p>
+            <a:fld id="{FEADBD48-C7E4-4D4F-83A9-5011107796B7}" type="slidenum">
+              <a:rPr lang="en-US" smtClean="0"/>
+              <a:t>5</a:t>
+            </a:fld>
+            <a:endParaRPr lang="en-US"/>
+          </a:p>
+        </p:txBody>
+      </p:sp>
+    </p:spTree>
+    <p:extLst>
+      <p:ext uri="{BB962C8B-B14F-4D97-AF65-F5344CB8AC3E}">
+        <p14:creationId xmlns:p14="http://schemas.microsoft.com/office/powerpoint/2010/main" val="84353895"/>
+      </p:ext>
+    </p:extLst>
+  </p:cSld>
+  <p:clrMapOvr>
+    <a:masterClrMapping/>
+  </p:clrMapOvr>
+</p:notes>
+</file>
+
+<file path=ppt/notesSlides/notesSlide5.xml><?xml version="1.0" encoding="utf-8"?>
+<p:notes xmlns:a="http://schemas.openxmlformats.org/drawingml/2006/main" xmlns:r="http://schemas.openxmlformats.org/officeDocument/2006/relationships" xmlns:p="http://schemas.openxmlformats.org/presentationml/2006/main">
+  <p:cSld>
+    <p:spTree>
+      <p:nvGrpSpPr>
+        <p:cNvPr id="1" name=""/>
+        <p:cNvGrpSpPr/>
+        <p:nvPr/>
+      </p:nvGrpSpPr>
+      <p:grpSpPr>
+        <a:xfrm>
+          <a:off x="0" y="0"/>
+          <a:ext cx="0" cy="0"/>
+          <a:chOff x="0" y="0"/>
+          <a:chExt cx="0" cy="0"/>
+        </a:xfrm>
+      </p:grpSpPr>
+      <p:sp>
+        <p:nvSpPr>
+          <p:cNvPr id="2" name="Slide Image Placeholder 1"/>
+          <p:cNvSpPr>
+            <a:spLocks noGrp="1" noRot="1" noChangeAspect="1"/>
+          </p:cNvSpPr>
+          <p:nvPr>
+            <p:ph type="sldImg"/>
+          </p:nvPr>
+        </p:nvSpPr>
+        <p:spPr/>
+      </p:sp>
+      <p:sp>
+        <p:nvSpPr>
+          <p:cNvPr id="3" name="Notes Placeholder 2"/>
+          <p:cNvSpPr>
+            <a:spLocks noGrp="1"/>
+          </p:cNvSpPr>
+          <p:nvPr>
+            <p:ph type="body" idx="1"/>
+          </p:nvPr>
+        </p:nvSpPr>
+        <p:spPr/>
+        <p:txBody>
+          <a:bodyPr/>
+          <a:lstStyle/>
+          <a:p>
+            <a:r>
+              <a:rPr lang="ko-KR" altLang="en-US" dirty="0" smtClean="0"/>
+              <a:t>다음으로는 국가소음정보시스템의 층간소음 관련 민원 수 통계입니다</a:t>
+            </a:r>
+            <a:r>
+              <a:rPr lang="en-US" altLang="ko-KR" dirty="0" smtClean="0"/>
+              <a:t>.</a:t>
+            </a:r>
+            <a:endParaRPr lang="ko-KR" altLang="en-US" dirty="0" smtClean="0"/>
+          </a:p>
+          <a:p>
+            <a:r>
+              <a:rPr lang="ko-KR" altLang="en-US" dirty="0" smtClean="0"/>
+              <a:t>현재 국가소음정보시스템에서는 수년간 전화 상담 서비스를 진행하고 있습니다</a:t>
+            </a:r>
+            <a:r>
+              <a:rPr lang="en-US" altLang="ko-KR" dirty="0" smtClean="0"/>
+              <a:t>.</a:t>
+            </a:r>
+            <a:endParaRPr lang="ko-KR" altLang="en-US" dirty="0" smtClean="0"/>
+          </a:p>
+          <a:p>
+            <a:r>
+              <a:rPr lang="en-US" altLang="ko-KR" dirty="0" smtClean="0"/>
+              <a:t>2012</a:t>
+            </a:r>
+            <a:r>
+              <a:rPr lang="ko-KR" altLang="en-US" dirty="0" smtClean="0"/>
+              <a:t>년의 층간소음 관련 민원수는 </a:t>
+            </a:r>
+            <a:r>
+              <a:rPr lang="en-US" altLang="ko-KR" dirty="0" smtClean="0"/>
+              <a:t>8,795</a:t>
+            </a:r>
+            <a:r>
+              <a:rPr lang="ko-KR" altLang="en-US" dirty="0" smtClean="0"/>
+              <a:t>건인데 비해</a:t>
+            </a:r>
+            <a:r>
+              <a:rPr lang="en-US" altLang="ko-KR" dirty="0" smtClean="0"/>
+              <a:t>,</a:t>
+            </a:r>
+            <a:r>
+              <a:rPr lang="ko-KR" altLang="en-US" dirty="0" smtClean="0"/>
+              <a:t> </a:t>
+            </a:r>
+            <a:r>
+              <a:rPr lang="en-US" altLang="ko-KR" dirty="0" smtClean="0"/>
+              <a:t>2017</a:t>
+            </a:r>
+            <a:r>
+              <a:rPr lang="ko-KR" altLang="en-US" dirty="0" smtClean="0"/>
+              <a:t>년에는 </a:t>
+            </a:r>
+            <a:r>
+              <a:rPr lang="en-US" altLang="ko-KR" dirty="0" smtClean="0"/>
+              <a:t>22,849</a:t>
+            </a:r>
+            <a:r>
+              <a:rPr lang="ko-KR" altLang="en-US" dirty="0" smtClean="0"/>
+              <a:t>건으로 크게 증가하였으며</a:t>
+            </a:r>
+            <a:r>
+              <a:rPr lang="en-US" altLang="ko-KR" dirty="0" smtClean="0"/>
+              <a:t>,</a:t>
+            </a:r>
+            <a:endParaRPr lang="ko-KR" altLang="en-US" dirty="0" smtClean="0"/>
+          </a:p>
+          <a:p>
+            <a:r>
+              <a:rPr lang="ko-KR" altLang="en-US" dirty="0" smtClean="0"/>
+              <a:t>콜센터 접수분과 온라인 접수분 모두 큰 폭으로 상승했다는 것을 알 수 있습니다</a:t>
+            </a:r>
+            <a:r>
+              <a:rPr lang="en-US" altLang="ko-KR" dirty="0" smtClean="0"/>
+              <a:t>.</a:t>
+            </a:r>
+            <a:endParaRPr lang="en-US" dirty="0"/>
+          </a:p>
+        </p:txBody>
+      </p:sp>
+      <p:sp>
+        <p:nvSpPr>
+          <p:cNvPr id="4" name="Slide Number Placeholder 3"/>
+          <p:cNvSpPr>
+            <a:spLocks noGrp="1"/>
+          </p:cNvSpPr>
+          <p:nvPr>
+            <p:ph type="sldNum" sz="quarter" idx="10"/>
+          </p:nvPr>
+        </p:nvSpPr>
+        <p:spPr/>
+        <p:txBody>
+          <a:bodyPr/>
+          <a:lstStyle/>
+          <a:p>
+            <a:fld id="{FEADBD48-C7E4-4D4F-83A9-5011107796B7}" type="slidenum">
+              <a:rPr lang="en-US" smtClean="0"/>
+              <a:t>6</a:t>
+            </a:fld>
+            <a:endParaRPr lang="en-US"/>
+          </a:p>
+        </p:txBody>
+      </p:sp>
+    </p:spTree>
+    <p:extLst>
+      <p:ext uri="{BB962C8B-B14F-4D97-AF65-F5344CB8AC3E}">
+        <p14:creationId xmlns:p14="http://schemas.microsoft.com/office/powerpoint/2010/main" val="939819582"/>
+      </p:ext>
+    </p:extLst>
+  </p:cSld>
+  <p:clrMapOvr>
+    <a:masterClrMapping/>
+  </p:clrMapOvr>
+</p:notes>
+</file>
+
+<file path=ppt/notesSlides/notesSlide6.xml><?xml version="1.0" encoding="utf-8"?>
+<p:notes xmlns:a="http://schemas.openxmlformats.org/drawingml/2006/main" xmlns:r="http://schemas.openxmlformats.org/officeDocument/2006/relationships" xmlns:p="http://schemas.openxmlformats.org/presentationml/2006/main">
+  <p:cSld>
+    <p:spTree>
+      <p:nvGrpSpPr>
+        <p:cNvPr id="1" name=""/>
+        <p:cNvGrpSpPr/>
+        <p:nvPr/>
+      </p:nvGrpSpPr>
+      <p:grpSpPr>
+        <a:xfrm>
+          <a:off x="0" y="0"/>
+          <a:ext cx="0" cy="0"/>
+          <a:chOff x="0" y="0"/>
+          <a:chExt cx="0" cy="0"/>
+        </a:xfrm>
+      </p:grpSpPr>
+      <p:sp>
+        <p:nvSpPr>
+          <p:cNvPr id="2" name="Slide Image Placeholder 1"/>
+          <p:cNvSpPr>
+            <a:spLocks noGrp="1" noRot="1" noChangeAspect="1"/>
+          </p:cNvSpPr>
+          <p:nvPr>
+            <p:ph type="sldImg"/>
+          </p:nvPr>
+        </p:nvSpPr>
+        <p:spPr/>
+      </p:sp>
+      <p:sp>
+        <p:nvSpPr>
+          <p:cNvPr id="3" name="Notes Placeholder 2"/>
+          <p:cNvSpPr>
+            <a:spLocks noGrp="1"/>
+          </p:cNvSpPr>
+          <p:nvPr>
+            <p:ph type="body" idx="1"/>
+          </p:nvPr>
+        </p:nvSpPr>
+        <p:spPr/>
+        <p:txBody>
+          <a:bodyPr/>
+          <a:lstStyle/>
+          <a:p>
+            <a:endParaRPr lang="en-US" dirty="0"/>
+          </a:p>
+        </p:txBody>
+      </p:sp>
+      <p:sp>
+        <p:nvSpPr>
+          <p:cNvPr id="4" name="Slide Number Placeholder 3"/>
+          <p:cNvSpPr>
+            <a:spLocks noGrp="1"/>
+          </p:cNvSpPr>
+          <p:nvPr>
+            <p:ph type="sldNum" sz="quarter" idx="10"/>
+          </p:nvPr>
+        </p:nvSpPr>
+        <p:spPr/>
+        <p:txBody>
+          <a:bodyPr/>
+          <a:lstStyle/>
+          <a:p>
+            <a:fld id="{FEADBD48-C7E4-4D4F-83A9-5011107796B7}" type="slidenum">
+              <a:rPr lang="en-US" smtClean="0"/>
+              <a:t>7</a:t>
+            </a:fld>
+            <a:endParaRPr lang="en-US"/>
+          </a:p>
+        </p:txBody>
+      </p:sp>
+    </p:spTree>
+    <p:extLst>
+      <p:ext uri="{BB962C8B-B14F-4D97-AF65-F5344CB8AC3E}">
+        <p14:creationId xmlns:p14="http://schemas.microsoft.com/office/powerpoint/2010/main" val="2001100545"/>
+      </p:ext>
+    </p:extLst>
+  </p:cSld>
+  <p:clrMapOvr>
+    <a:masterClrMapping/>
+  </p:clrMapOvr>
+</p:notes>
+</file>
+
+<file path=ppt/notesSlides/notesSlide7.xml><?xml version="1.0" encoding="utf-8"?>
+<p:notes xmlns:a="http://schemas.openxmlformats.org/drawingml/2006/main" xmlns:r="http://schemas.openxmlformats.org/officeDocument/2006/relationships" xmlns:p="http://schemas.openxmlformats.org/presentationml/2006/main">
+  <p:cSld>
+    <p:spTree>
+      <p:nvGrpSpPr>
+        <p:cNvPr id="1" name=""/>
+        <p:cNvGrpSpPr/>
+        <p:nvPr/>
+      </p:nvGrpSpPr>
+      <p:grpSpPr>
+        <a:xfrm>
+          <a:off x="0" y="0"/>
+          <a:ext cx="0" cy="0"/>
+          <a:chOff x="0" y="0"/>
+          <a:chExt cx="0" cy="0"/>
+        </a:xfrm>
+      </p:grpSpPr>
+      <p:sp>
+        <p:nvSpPr>
+          <p:cNvPr id="2" name="Slide Image Placeholder 1"/>
+          <p:cNvSpPr>
+            <a:spLocks noGrp="1" noRot="1" noChangeAspect="1"/>
+          </p:cNvSpPr>
+          <p:nvPr>
+            <p:ph type="sldImg"/>
+          </p:nvPr>
+        </p:nvSpPr>
+        <p:spPr/>
+      </p:sp>
+      <p:sp>
+        <p:nvSpPr>
+          <p:cNvPr id="3" name="Notes Placeholder 2"/>
+          <p:cNvSpPr>
+            <a:spLocks noGrp="1"/>
+          </p:cNvSpPr>
+          <p:nvPr>
+            <p:ph type="body" idx="1"/>
+          </p:nvPr>
+        </p:nvSpPr>
+        <p:spPr/>
+        <p:txBody>
+          <a:bodyPr/>
+          <a:lstStyle/>
+          <a:p>
+            <a:r>
+              <a:rPr lang="ko-KR" altLang="en-US" dirty="0" smtClean="0"/>
+              <a:t>두번째로는 메인 화면입니다</a:t>
+            </a:r>
+            <a:r>
+              <a:rPr lang="en-US" altLang="ko-KR" dirty="0" smtClean="0"/>
+              <a:t>.</a:t>
+            </a:r>
+            <a:endParaRPr lang="ko-KR" altLang="en-US" dirty="0" smtClean="0"/>
+          </a:p>
+          <a:p>
+            <a:r>
+              <a:rPr lang="ko-KR" altLang="en-US" dirty="0" smtClean="0"/>
+              <a:t>좌측상단에는 메뉴 버튼이 있고</a:t>
+            </a:r>
+            <a:r>
+              <a:rPr lang="en-US" altLang="ko-KR" dirty="0" smtClean="0"/>
+              <a:t>,</a:t>
+            </a:r>
+            <a:r>
+              <a:rPr lang="ko-KR" altLang="en-US" baseline="0" dirty="0" smtClean="0"/>
+              <a:t> 메뉴 버튼을 누르면 메뉴다 나옵니다</a:t>
+            </a:r>
+            <a:r>
+              <a:rPr lang="en-US" altLang="ko-KR" baseline="0" dirty="0" smtClean="0"/>
+              <a:t>.</a:t>
+            </a:r>
+            <a:endParaRPr lang="ko-KR" altLang="en-US" baseline="0" dirty="0" smtClean="0"/>
+          </a:p>
+          <a:p>
+            <a:r>
+              <a:rPr lang="ko-KR" altLang="en-US" baseline="0" dirty="0" smtClean="0"/>
+              <a:t>화면 상단에는 현재 소음이 표시되고</a:t>
+            </a:r>
+            <a:r>
+              <a:rPr lang="en-US" altLang="ko-KR" baseline="0" dirty="0" smtClean="0"/>
+              <a:t>,</a:t>
+            </a:r>
+            <a:r>
+              <a:rPr lang="ko-KR" altLang="en-US" baseline="0" dirty="0" smtClean="0"/>
+              <a:t> 층간 소음 기준인 낮 </a:t>
+            </a:r>
+            <a:r>
+              <a:rPr lang="en-US" altLang="ko-KR" baseline="0" dirty="0" smtClean="0"/>
+              <a:t>40dB, </a:t>
+            </a:r>
+            <a:r>
+              <a:rPr lang="ko-KR" altLang="en-US" baseline="0" dirty="0" smtClean="0"/>
+              <a:t>밤 </a:t>
+            </a:r>
+            <a:r>
+              <a:rPr lang="en-US" altLang="ko-KR" baseline="0" dirty="0" smtClean="0"/>
+              <a:t>35dB</a:t>
+            </a:r>
+            <a:r>
+              <a:rPr lang="ko-KR" altLang="en-US" baseline="0" dirty="0" smtClean="0"/>
+              <a:t>을 초과하면 빨간색</a:t>
+            </a:r>
+            <a:r>
+              <a:rPr lang="en-US" altLang="ko-KR" baseline="0" dirty="0" smtClean="0"/>
+              <a:t>,</a:t>
+            </a:r>
+            <a:r>
+              <a:rPr lang="ko-KR" altLang="en-US" baseline="0" dirty="0" smtClean="0"/>
+              <a:t> 정상시 파란색으로 배경이 변경됩니다</a:t>
+            </a:r>
+            <a:r>
+              <a:rPr lang="en-US" altLang="ko-KR" baseline="0" dirty="0" smtClean="0"/>
+              <a:t>.</a:t>
+            </a:r>
+            <a:endParaRPr lang="ko-KR" altLang="en-US" baseline="0" dirty="0" smtClean="0"/>
+          </a:p>
+        </p:txBody>
+      </p:sp>
+      <p:sp>
+        <p:nvSpPr>
+          <p:cNvPr id="4" name="Slide Number Placeholder 3"/>
+          <p:cNvSpPr>
+            <a:spLocks noGrp="1"/>
+          </p:cNvSpPr>
+          <p:nvPr>
+            <p:ph type="sldNum" sz="quarter" idx="10"/>
+          </p:nvPr>
+        </p:nvSpPr>
+        <p:spPr/>
+        <p:txBody>
+          <a:bodyPr/>
+          <a:lstStyle/>
+          <a:p>
+            <a:fld id="{FEADBD48-C7E4-4D4F-83A9-5011107796B7}" type="slidenum">
+              <a:rPr lang="en-US" smtClean="0"/>
+              <a:t>8</a:t>
+            </a:fld>
+            <a:endParaRPr lang="en-US"/>
+          </a:p>
+        </p:txBody>
+      </p:sp>
+    </p:spTree>
+    <p:extLst>
+      <p:ext uri="{BB962C8B-B14F-4D97-AF65-F5344CB8AC3E}">
+        <p14:creationId xmlns:p14="http://schemas.microsoft.com/office/powerpoint/2010/main" val="610515434"/>
+      </p:ext>
+    </p:extLst>
+  </p:cSld>
+  <p:clrMapOvr>
+    <a:masterClrMapping/>
+  </p:clrMapOvr>
+</p:notes>
+</file>
+
+<file path=ppt/notesSlides/notesSlide8.xml><?xml version="1.0" encoding="utf-8"?>
+<p:notes xmlns:a="http://schemas.openxmlformats.org/drawingml/2006/main" xmlns:r="http://schemas.openxmlformats.org/officeDocument/2006/relationships" xmlns:p="http://schemas.openxmlformats.org/presentationml/2006/main">
+  <p:cSld>
+    <p:spTree>
+      <p:nvGrpSpPr>
+        <p:cNvPr id="1" name=""/>
+        <p:cNvGrpSpPr/>
+        <p:nvPr/>
+      </p:nvGrpSpPr>
+      <p:grpSpPr>
+        <a:xfrm>
+          <a:off x="0" y="0"/>
+          <a:ext cx="0" cy="0"/>
+          <a:chOff x="0" y="0"/>
+          <a:chExt cx="0" cy="0"/>
+        </a:xfrm>
+      </p:grpSpPr>
+      <p:sp>
+        <p:nvSpPr>
+          <p:cNvPr id="2" name="Slide Image Placeholder 1"/>
+          <p:cNvSpPr>
+            <a:spLocks noGrp="1" noRot="1" noChangeAspect="1"/>
+          </p:cNvSpPr>
+          <p:nvPr>
+            <p:ph type="sldImg"/>
+          </p:nvPr>
+        </p:nvSpPr>
+        <p:spPr/>
+      </p:sp>
+      <p:sp>
+        <p:nvSpPr>
+          <p:cNvPr id="3" name="Notes Placeholder 2"/>
+          <p:cNvSpPr>
+            <a:spLocks noGrp="1"/>
+          </p:cNvSpPr>
+          <p:nvPr>
+            <p:ph type="body" idx="1"/>
+          </p:nvPr>
+        </p:nvSpPr>
+        <p:spPr/>
+        <p:txBody>
+          <a:bodyPr/>
+          <a:lstStyle/>
+          <a:p>
+            <a:pPr marL="0" marR="0" indent="0" algn="l" defTabSz="914400" rtl="0" eaLnBrk="1" fontAlgn="auto" latinLnBrk="0" hangingPunct="1">
+              <a:lnSpc>
+                <a:spcPct val="100000"/>
+              </a:lnSpc>
+              <a:spcBef>
+                <a:spcPts val="0"/>
+              </a:spcBef>
+              <a:spcAft>
+                <a:spcPts val="0"/>
+              </a:spcAft>
+              <a:buClrTx/>
+              <a:buSzTx/>
+              <a:buFontTx/>
+              <a:buNone/>
+              <a:tabLst/>
+              <a:defRPr/>
+            </a:pPr>
+            <a:endParaRPr lang="en-US" dirty="0" smtClean="0"/>
+          </a:p>
+        </p:txBody>
+      </p:sp>
+      <p:sp>
+        <p:nvSpPr>
+          <p:cNvPr id="4" name="Slide Number Placeholder 3"/>
+          <p:cNvSpPr>
+            <a:spLocks noGrp="1"/>
+          </p:cNvSpPr>
+          <p:nvPr>
+            <p:ph type="sldNum" sz="quarter" idx="10"/>
+          </p:nvPr>
+        </p:nvSpPr>
+        <p:spPr/>
+        <p:txBody>
+          <a:bodyPr/>
+          <a:lstStyle/>
+          <a:p>
+            <a:fld id="{FEADBD48-C7E4-4D4F-83A9-5011107796B7}" type="slidenum">
+              <a:rPr lang="en-US" smtClean="0"/>
+              <a:t>9</a:t>
+            </a:fld>
+            <a:endParaRPr lang="en-US"/>
+          </a:p>
+        </p:txBody>
+      </p:sp>
+    </p:spTree>
+    <p:extLst>
+      <p:ext uri="{BB962C8B-B14F-4D97-AF65-F5344CB8AC3E}">
+        <p14:creationId xmlns:p14="http://schemas.microsoft.com/office/powerpoint/2010/main" val="1585990364"/>
+      </p:ext>
+    </p:extLst>
+  </p:cSld>
+  <p:clrMapOvr>
+    <a:masterClrMapping/>
+  </p:clrMapOvr>
+</p:notes>
+</file>
+
+<file path=ppt/notesSlides/notesSlide9.xml><?xml version="1.0" encoding="utf-8"?>
+<p:notes xmlns:a="http://schemas.openxmlformats.org/drawingml/2006/main" xmlns:r="http://schemas.openxmlformats.org/officeDocument/2006/relationships" xmlns:p="http://schemas.openxmlformats.org/presentationml/2006/main">
+  <p:cSld>
+    <p:spTree>
+      <p:nvGrpSpPr>
+        <p:cNvPr id="1" name=""/>
+        <p:cNvGrpSpPr/>
+        <p:nvPr/>
+      </p:nvGrpSpPr>
+      <p:grpSpPr>
+        <a:xfrm>
+          <a:off x="0" y="0"/>
+          <a:ext cx="0" cy="0"/>
+          <a:chOff x="0" y="0"/>
+          <a:chExt cx="0" cy="0"/>
+        </a:xfrm>
+      </p:grpSpPr>
+      <p:sp>
+        <p:nvSpPr>
+          <p:cNvPr id="2" name="Slide Image Placeholder 1"/>
+          <p:cNvSpPr>
+            <a:spLocks noGrp="1" noRot="1" noChangeAspect="1"/>
+          </p:cNvSpPr>
+          <p:nvPr>
+            <p:ph type="sldImg"/>
+          </p:nvPr>
+        </p:nvSpPr>
+        <p:spPr/>
+      </p:sp>
+      <p:sp>
+        <p:nvSpPr>
+          <p:cNvPr id="3" name="Notes Placeholder 2"/>
+          <p:cNvSpPr>
+            <a:spLocks noGrp="1"/>
+          </p:cNvSpPr>
+          <p:nvPr>
+            <p:ph type="body" idx="1"/>
+          </p:nvPr>
+        </p:nvSpPr>
+        <p:spPr/>
+        <p:txBody>
+          <a:bodyPr/>
+          <a:lstStyle/>
+          <a:p>
+            <a:endParaRPr lang="en-US" dirty="0"/>
+          </a:p>
+        </p:txBody>
+      </p:sp>
+      <p:sp>
+        <p:nvSpPr>
+          <p:cNvPr id="4" name="Slide Number Placeholder 3"/>
+          <p:cNvSpPr>
+            <a:spLocks noGrp="1"/>
+          </p:cNvSpPr>
+          <p:nvPr>
+            <p:ph type="sldNum" sz="quarter" idx="10"/>
+          </p:nvPr>
+        </p:nvSpPr>
+        <p:spPr/>
+        <p:txBody>
+          <a:bodyPr/>
+          <a:lstStyle/>
+          <a:p>
+            <a:fld id="{FEADBD48-C7E4-4D4F-83A9-5011107796B7}" type="slidenum">
+              <a:rPr lang="en-US" smtClean="0"/>
+              <a:t>14</a:t>
+            </a:fld>
+            <a:endParaRPr lang="en-US"/>
+          </a:p>
+        </p:txBody>
+      </p:sp>
+    </p:spTree>
+    <p:extLst>
+      <p:ext uri="{BB962C8B-B14F-4D97-AF65-F5344CB8AC3E}">
+        <p14:creationId xmlns:p14="http://schemas.microsoft.com/office/powerpoint/2010/main" val="1411549676"/>
+      </p:ext>
+    </p:extLst>
+  </p:cSld>
+  <p:clrMapOvr>
+    <a:masterClrMapping/>
+  </p:clrMapOvr>
+</p:notes>
 </file>
 
 <file path=ppt/slideLayouts/slideLayout1.xml><?xml version="1.0" encoding="utf-8"?>
@@ -2985,7 +4494,7 @@
           <p:nvPr/>
         </p:nvPicPr>
         <p:blipFill>
-          <a:blip r:embed="rId2">
+          <a:blip r:embed="rId3">
             <a:extLst>
               <a:ext uri="{28A0092B-C50C-407E-A947-70E740481C1C}">
                 <a14:useLocalDpi xmlns:a14="http://schemas.microsoft.com/office/drawing/2010/main" val="0"/>
@@ -3016,10 +4525,84 @@
   <p:clrMapOvr>
     <a:masterClrMapping/>
   </p:clrMapOvr>
+  <p:timing>
+    <p:tnLst>
+      <p:par>
+        <p:cTn id="1" dur="indefinite" restart="never" nodeType="tmRoot"/>
+      </p:par>
+    </p:tnLst>
+  </p:timing>
 </p:sld>
 </file>
 
 <file path=ppt/slides/slide10.xml><?xml version="1.0" encoding="utf-8"?>
+<p:sld xmlns:a="http://schemas.openxmlformats.org/drawingml/2006/main" xmlns:r="http://schemas.openxmlformats.org/officeDocument/2006/relationships" xmlns:p="http://schemas.openxmlformats.org/presentationml/2006/main">
+  <p:cSld>
+    <p:spTree>
+      <p:nvGrpSpPr>
+        <p:cNvPr id="1" name=""/>
+        <p:cNvGrpSpPr/>
+        <p:nvPr/>
+      </p:nvGrpSpPr>
+      <p:grpSpPr>
+        <a:xfrm>
+          <a:off x="0" y="0"/>
+          <a:ext cx="0" cy="0"/>
+          <a:chOff x="0" y="0"/>
+          <a:chExt cx="0" cy="0"/>
+        </a:xfrm>
+      </p:grpSpPr>
+      <p:pic>
+        <p:nvPicPr>
+          <p:cNvPr id="2" name="Picture 1"/>
+          <p:cNvPicPr>
+            <a:picLocks noChangeAspect="1"/>
+          </p:cNvPicPr>
+          <p:nvPr/>
+        </p:nvPicPr>
+        <p:blipFill>
+          <a:blip r:embed="rId2">
+            <a:extLst>
+              <a:ext uri="{28A0092B-C50C-407E-A947-70E740481C1C}">
+                <a14:useLocalDpi xmlns:a14="http://schemas.microsoft.com/office/drawing/2010/main" val="0"/>
+              </a:ext>
+            </a:extLst>
+          </a:blip>
+          <a:stretch>
+            <a:fillRect/>
+          </a:stretch>
+        </p:blipFill>
+        <p:spPr>
+          <a:xfrm>
+            <a:off x="-16651" y="-10160"/>
+            <a:ext cx="12210062" cy="6868160"/>
+          </a:xfrm>
+          <a:prstGeom prst="rect">
+            <a:avLst/>
+          </a:prstGeom>
+        </p:spPr>
+      </p:pic>
+    </p:spTree>
+    <p:extLst>
+      <p:ext uri="{BB962C8B-B14F-4D97-AF65-F5344CB8AC3E}">
+        <p14:creationId xmlns:p14="http://schemas.microsoft.com/office/powerpoint/2010/main" val="608413784"/>
+      </p:ext>
+    </p:extLst>
+  </p:cSld>
+  <p:clrMapOvr>
+    <a:masterClrMapping/>
+  </p:clrMapOvr>
+  <p:timing>
+    <p:tnLst>
+      <p:par>
+        <p:cTn id="1" dur="indefinite" restart="never" nodeType="tmRoot"/>
+      </p:par>
+    </p:tnLst>
+  </p:timing>
+</p:sld>
+</file>
+
+<file path=ppt/slides/slide11.xml><?xml version="1.0" encoding="utf-8"?>
 <p:sld xmlns:a="http://schemas.openxmlformats.org/drawingml/2006/main" xmlns:r="http://schemas.openxmlformats.org/officeDocument/2006/relationships" xmlns:p="http://schemas.openxmlformats.org/presentationml/2006/main">
   <p:cSld>
     <p:spTree>
@@ -3076,10 +4659,17 @@
   <p:clrMapOvr>
     <a:masterClrMapping/>
   </p:clrMapOvr>
+  <p:timing>
+    <p:tnLst>
+      <p:par>
+        <p:cTn id="1" dur="indefinite" restart="never" nodeType="tmRoot"/>
+      </p:par>
+    </p:tnLst>
+  </p:timing>
 </p:sld>
 </file>
 
-<file path=ppt/slides/slide11.xml><?xml version="1.0" encoding="utf-8"?>
+<file path=ppt/slides/slide12.xml><?xml version="1.0" encoding="utf-8"?>
 <p:sld xmlns:a="http://schemas.openxmlformats.org/drawingml/2006/main" xmlns:r="http://schemas.openxmlformats.org/officeDocument/2006/relationships" xmlns:p="http://schemas.openxmlformats.org/presentationml/2006/main">
   <p:cSld>
     <p:spTree>
@@ -3136,10 +4726,17 @@
   <p:clrMapOvr>
     <a:masterClrMapping/>
   </p:clrMapOvr>
+  <p:timing>
+    <p:tnLst>
+      <p:par>
+        <p:cTn id="1" dur="indefinite" restart="never" nodeType="tmRoot"/>
+      </p:par>
+    </p:tnLst>
+  </p:timing>
 </p:sld>
 </file>
 
-<file path=ppt/slides/slide12.xml><?xml version="1.0" encoding="utf-8"?>
+<file path=ppt/slides/slide13.xml><?xml version="1.0" encoding="utf-8"?>
 <p:sld xmlns:a="http://schemas.openxmlformats.org/drawingml/2006/main" xmlns:r="http://schemas.openxmlformats.org/officeDocument/2006/relationships" xmlns:p="http://schemas.openxmlformats.org/presentationml/2006/main">
   <p:cSld>
     <p:spTree>
@@ -3199,7 +4796,7 @@
 </p:sld>
 </file>
 
-<file path=ppt/slides/slide13.xml><?xml version="1.0" encoding="utf-8"?>
+<file path=ppt/slides/slide14.xml><?xml version="1.0" encoding="utf-8"?>
 <p:sld xmlns:a="http://schemas.openxmlformats.org/drawingml/2006/main" xmlns:r="http://schemas.openxmlformats.org/officeDocument/2006/relationships" xmlns:p="http://schemas.openxmlformats.org/presentationml/2006/main">
   <p:cSld>
     <p:spTree>
@@ -3225,7 +4822,7 @@
           <p:nvPr/>
         </p:nvPicPr>
         <p:blipFill>
-          <a:blip r:embed="rId2">
+          <a:blip r:embed="rId3">
             <a:extLst>
               <a:ext uri="{28A0092B-C50C-407E-A947-70E740481C1C}">
                 <a14:useLocalDpi xmlns:a14="http://schemas.microsoft.com/office/drawing/2010/main" val="0"/>
@@ -3285,7 +4882,7 @@
           <p:nvPr/>
         </p:nvPicPr>
         <p:blipFill>
-          <a:blip r:embed="rId2">
+          <a:blip r:embed="rId3">
             <a:extLst>
               <a:ext uri="{28A0092B-C50C-407E-A947-70E740481C1C}">
                 <a14:useLocalDpi xmlns:a14="http://schemas.microsoft.com/office/drawing/2010/main" val="0"/>
@@ -3316,10 +4913,84 @@
   <p:clrMapOvr>
     <a:masterClrMapping/>
   </p:clrMapOvr>
+  <p:timing>
+    <p:tnLst>
+      <p:par>
+        <p:cTn id="1" dur="indefinite" restart="never" nodeType="tmRoot"/>
+      </p:par>
+    </p:tnLst>
+  </p:timing>
 </p:sld>
 </file>
 
 <file path=ppt/slides/slide3.xml><?xml version="1.0" encoding="utf-8"?>
+<p:sld xmlns:a="http://schemas.openxmlformats.org/drawingml/2006/main" xmlns:r="http://schemas.openxmlformats.org/officeDocument/2006/relationships" xmlns:p="http://schemas.openxmlformats.org/presentationml/2006/main">
+  <p:cSld>
+    <p:spTree>
+      <p:nvGrpSpPr>
+        <p:cNvPr id="1" name=""/>
+        <p:cNvGrpSpPr/>
+        <p:nvPr/>
+      </p:nvGrpSpPr>
+      <p:grpSpPr>
+        <a:xfrm>
+          <a:off x="0" y="0"/>
+          <a:ext cx="0" cy="0"/>
+          <a:chOff x="0" y="0"/>
+          <a:chExt cx="0" cy="0"/>
+        </a:xfrm>
+      </p:grpSpPr>
+      <p:pic>
+        <p:nvPicPr>
+          <p:cNvPr id="6" name="Picture 5"/>
+          <p:cNvPicPr>
+            <a:picLocks noChangeAspect="1"/>
+          </p:cNvPicPr>
+          <p:nvPr/>
+        </p:nvPicPr>
+        <p:blipFill>
+          <a:blip r:embed="rId2">
+            <a:extLst>
+              <a:ext uri="{28A0092B-C50C-407E-A947-70E740481C1C}">
+                <a14:useLocalDpi xmlns:a14="http://schemas.microsoft.com/office/drawing/2010/main" val="0"/>
+              </a:ext>
+            </a:extLst>
+          </a:blip>
+          <a:stretch>
+            <a:fillRect/>
+          </a:stretch>
+        </p:blipFill>
+        <p:spPr>
+          <a:xfrm>
+            <a:off x="-16651" y="-10160"/>
+            <a:ext cx="12210062" cy="6868160"/>
+          </a:xfrm>
+          <a:prstGeom prst="rect">
+            <a:avLst/>
+          </a:prstGeom>
+        </p:spPr>
+      </p:pic>
+    </p:spTree>
+    <p:extLst>
+      <p:ext uri="{BB962C8B-B14F-4D97-AF65-F5344CB8AC3E}">
+        <p14:creationId xmlns:p14="http://schemas.microsoft.com/office/powerpoint/2010/main" val="468703135"/>
+      </p:ext>
+    </p:extLst>
+  </p:cSld>
+  <p:clrMapOvr>
+    <a:masterClrMapping/>
+  </p:clrMapOvr>
+  <p:timing>
+    <p:tnLst>
+      <p:par>
+        <p:cTn id="1" dur="indefinite" restart="never" nodeType="tmRoot"/>
+      </p:par>
+    </p:tnLst>
+  </p:timing>
+</p:sld>
+</file>
+
+<file path=ppt/slides/slide4.xml><?xml version="1.0" encoding="utf-8"?>
 <p:sld xmlns:a="http://schemas.openxmlformats.org/drawingml/2006/main" xmlns:r="http://schemas.openxmlformats.org/officeDocument/2006/relationships" xmlns:p="http://schemas.openxmlformats.org/presentationml/2006/main">
   <p:cSld>
     <p:spTree>
@@ -3345,7 +5016,7 @@
           <p:nvPr/>
         </p:nvPicPr>
         <p:blipFill>
-          <a:blip r:embed="rId2">
+          <a:blip r:embed="rId3">
             <a:extLst>
               <a:ext uri="{28A0092B-C50C-407E-A947-70E740481C1C}">
                 <a14:useLocalDpi xmlns:a14="http://schemas.microsoft.com/office/drawing/2010/main" val="0"/>
@@ -3376,10 +5047,17 @@
   <p:clrMapOvr>
     <a:masterClrMapping/>
   </p:clrMapOvr>
+  <p:timing>
+    <p:tnLst>
+      <p:par>
+        <p:cTn id="1" dur="indefinite" restart="never" nodeType="tmRoot"/>
+      </p:par>
+    </p:tnLst>
+  </p:timing>
 </p:sld>
 </file>
 
-<file path=ppt/slides/slide4.xml><?xml version="1.0" encoding="utf-8"?>
+<file path=ppt/slides/slide5.xml><?xml version="1.0" encoding="utf-8"?>
 <p:sld xmlns:a="http://schemas.openxmlformats.org/drawingml/2006/main" xmlns:r="http://schemas.openxmlformats.org/officeDocument/2006/relationships" xmlns:p="http://schemas.openxmlformats.org/presentationml/2006/main">
   <p:cSld>
     <p:spTree>
@@ -3405,7 +5083,7 @@
           <p:nvPr/>
         </p:nvPicPr>
         <p:blipFill>
-          <a:blip r:embed="rId2">
+          <a:blip r:embed="rId3">
             <a:extLst>
               <a:ext uri="{28A0092B-C50C-407E-A947-70E740481C1C}">
                 <a14:useLocalDpi xmlns:a14="http://schemas.microsoft.com/office/drawing/2010/main" val="0"/>
@@ -3436,10 +5114,17 @@
   <p:clrMapOvr>
     <a:masterClrMapping/>
   </p:clrMapOvr>
+  <p:timing>
+    <p:tnLst>
+      <p:par>
+        <p:cTn id="1" dur="indefinite" restart="never" nodeType="tmRoot"/>
+      </p:par>
+    </p:tnLst>
+  </p:timing>
 </p:sld>
 </file>
 
-<file path=ppt/slides/slide5.xml><?xml version="1.0" encoding="utf-8"?>
+<file path=ppt/slides/slide6.xml><?xml version="1.0" encoding="utf-8"?>
 <p:sld xmlns:a="http://schemas.openxmlformats.org/drawingml/2006/main" xmlns:r="http://schemas.openxmlformats.org/officeDocument/2006/relationships" xmlns:p="http://schemas.openxmlformats.org/presentationml/2006/main">
   <p:cSld>
     <p:spTree>
@@ -3465,7 +5150,7 @@
           <p:nvPr/>
         </p:nvPicPr>
         <p:blipFill>
-          <a:blip r:embed="rId2">
+          <a:blip r:embed="rId3">
             <a:extLst>
               <a:ext uri="{28A0092B-C50C-407E-A947-70E740481C1C}">
                 <a14:useLocalDpi xmlns:a14="http://schemas.microsoft.com/office/drawing/2010/main" val="0"/>
@@ -3496,12 +5181,27 @@
   <p:clrMapOvr>
     <a:masterClrMapping/>
   </p:clrMapOvr>
+  <p:timing>
+    <p:tnLst>
+      <p:par>
+        <p:cTn id="1" dur="indefinite" restart="never" nodeType="tmRoot"/>
+      </p:par>
+    </p:tnLst>
+  </p:timing>
 </p:sld>
 </file>
 
-<file path=ppt/slides/slide6.xml><?xml version="1.0" encoding="utf-8"?>
+<file path=ppt/slides/slide7.xml><?xml version="1.0" encoding="utf-8"?>
 <p:sld xmlns:a="http://schemas.openxmlformats.org/drawingml/2006/main" xmlns:r="http://schemas.openxmlformats.org/officeDocument/2006/relationships" xmlns:p="http://schemas.openxmlformats.org/presentationml/2006/main">
   <p:cSld>
+    <p:bg>
+      <p:bgPr>
+        <a:solidFill>
+          <a:schemeClr val="bg1"/>
+        </a:solidFill>
+        <a:effectLst/>
+      </p:bgPr>
+    </p:bg>
     <p:spTree>
       <p:nvGrpSpPr>
         <p:cNvPr id="1" name=""/>
@@ -3525,7 +5225,7 @@
           <p:nvPr/>
         </p:nvPicPr>
         <p:blipFill>
-          <a:blip r:embed="rId2">
+          <a:blip r:embed="rId3">
             <a:extLst>
               <a:ext uri="{28A0092B-C50C-407E-A947-70E740481C1C}">
                 <a14:useLocalDpi xmlns:a14="http://schemas.microsoft.com/office/drawing/2010/main" val="0"/>
@@ -3556,10 +5256,17 @@
   <p:clrMapOvr>
     <a:masterClrMapping/>
   </p:clrMapOvr>
+  <p:timing>
+    <p:tnLst>
+      <p:par>
+        <p:cTn id="1" dur="indefinite" restart="never" nodeType="tmRoot"/>
+      </p:par>
+    </p:tnLst>
+  </p:timing>
 </p:sld>
 </file>
 
-<file path=ppt/slides/slide7.xml><?xml version="1.0" encoding="utf-8"?>
+<file path=ppt/slides/slide8.xml><?xml version="1.0" encoding="utf-8"?>
 <p:sld xmlns:a="http://schemas.openxmlformats.org/drawingml/2006/main" xmlns:r="http://schemas.openxmlformats.org/officeDocument/2006/relationships" xmlns:p="http://schemas.openxmlformats.org/presentationml/2006/main">
   <p:cSld>
     <p:spTree>
@@ -3585,7 +5292,7 @@
           <p:nvPr/>
         </p:nvPicPr>
         <p:blipFill>
-          <a:blip r:embed="rId2">
+          <a:blip r:embed="rId3">
             <a:extLst>
               <a:ext uri="{28A0092B-C50C-407E-A947-70E740481C1C}">
                 <a14:useLocalDpi xmlns:a14="http://schemas.microsoft.com/office/drawing/2010/main" val="0"/>
@@ -3616,10 +5323,17 @@
   <p:clrMapOvr>
     <a:masterClrMapping/>
   </p:clrMapOvr>
+  <p:timing>
+    <p:tnLst>
+      <p:par>
+        <p:cTn id="1" dur="indefinite" restart="never" nodeType="tmRoot"/>
+      </p:par>
+    </p:tnLst>
+  </p:timing>
 </p:sld>
 </file>
 
-<file path=ppt/slides/slide8.xml><?xml version="1.0" encoding="utf-8"?>
+<file path=ppt/slides/slide9.xml><?xml version="1.0" encoding="utf-8"?>
 <p:sld xmlns:a="http://schemas.openxmlformats.org/drawingml/2006/main" xmlns:r="http://schemas.openxmlformats.org/officeDocument/2006/relationships" xmlns:p="http://schemas.openxmlformats.org/presentationml/2006/main">
   <p:cSld>
     <p:spTree>
@@ -3645,7 +5359,7 @@
           <p:nvPr/>
         </p:nvPicPr>
         <p:blipFill>
-          <a:blip r:embed="rId2">
+          <a:blip r:embed="rId3">
             <a:extLst>
               <a:ext uri="{28A0092B-C50C-407E-A947-70E740481C1C}">
                 <a14:useLocalDpi xmlns:a14="http://schemas.microsoft.com/office/drawing/2010/main" val="0"/>
@@ -3676,66 +5390,13 @@
   <p:clrMapOvr>
     <a:masterClrMapping/>
   </p:clrMapOvr>
-</p:sld>
-</file>
-
-<file path=ppt/slides/slide9.xml><?xml version="1.0" encoding="utf-8"?>
-<p:sld xmlns:a="http://schemas.openxmlformats.org/drawingml/2006/main" xmlns:r="http://schemas.openxmlformats.org/officeDocument/2006/relationships" xmlns:p="http://schemas.openxmlformats.org/presentationml/2006/main">
-  <p:cSld>
-    <p:spTree>
-      <p:nvGrpSpPr>
-        <p:cNvPr id="1" name=""/>
-        <p:cNvGrpSpPr/>
-        <p:nvPr/>
-      </p:nvGrpSpPr>
-      <p:grpSpPr>
-        <a:xfrm>
-          <a:off x="0" y="0"/>
-          <a:ext cx="0" cy="0"/>
-          <a:chOff x="0" y="0"/>
-          <a:chExt cx="0" cy="0"/>
-        </a:xfrm>
-      </p:grpSpPr>
-      <p:pic>
-        <p:nvPicPr>
-          <p:cNvPr id="2" name="Picture 1"/>
-          <p:cNvPicPr>
-            <a:picLocks noChangeAspect="1"/>
-          </p:cNvPicPr>
-          <p:nvPr/>
-        </p:nvPicPr>
-        <p:blipFill>
-          <a:blip r:embed="rId2">
-            <a:extLst>
-              <a:ext uri="{28A0092B-C50C-407E-A947-70E740481C1C}">
-                <a14:useLocalDpi xmlns:a14="http://schemas.microsoft.com/office/drawing/2010/main" val="0"/>
-              </a:ext>
-            </a:extLst>
-          </a:blip>
-          <a:stretch>
-            <a:fillRect/>
-          </a:stretch>
-        </p:blipFill>
-        <p:spPr>
-          <a:xfrm>
-            <a:off x="-16651" y="-10160"/>
-            <a:ext cx="12210062" cy="6868160"/>
-          </a:xfrm>
-          <a:prstGeom prst="rect">
-            <a:avLst/>
-          </a:prstGeom>
-        </p:spPr>
-      </p:pic>
-    </p:spTree>
-    <p:extLst>
-      <p:ext uri="{BB962C8B-B14F-4D97-AF65-F5344CB8AC3E}">
-        <p14:creationId xmlns:p14="http://schemas.microsoft.com/office/powerpoint/2010/main" val="608413784"/>
-      </p:ext>
-    </p:extLst>
-  </p:cSld>
-  <p:clrMapOvr>
-    <a:masterClrMapping/>
-  </p:clrMapOvr>
+  <p:timing>
+    <p:tnLst>
+      <p:par>
+        <p:cTn id="1" dur="indefinite" restart="never" nodeType="tmRoot"/>
+      </p:par>
+    </p:tnLst>
+  </p:timing>
 </p:sld>
 </file>
 
@@ -3998,4 +5659,265 @@
     </a:ext>
   </a:extLst>
 </a:theme>
+</file>
+
+<file path=ppt/theme/theme2.xml><?xml version="1.0" encoding="utf-8"?>
+<a:theme xmlns:a="http://schemas.openxmlformats.org/drawingml/2006/main" name="Office Theme">
+  <a:themeElements>
+    <a:clrScheme name="Office">
+      <a:dk1>
+        <a:sysClr val="windowText" lastClr="000000"/>
+      </a:dk1>
+      <a:lt1>
+        <a:sysClr val="window" lastClr="FFFFFF"/>
+      </a:lt1>
+      <a:dk2>
+        <a:srgbClr val="44546A"/>
+      </a:dk2>
+      <a:lt2>
+        <a:srgbClr val="E7E6E6"/>
+      </a:lt2>
+      <a:accent1>
+        <a:srgbClr val="5B9BD5"/>
+      </a:accent1>
+      <a:accent2>
+        <a:srgbClr val="ED7D31"/>
+      </a:accent2>
+      <a:accent3>
+        <a:srgbClr val="A5A5A5"/>
+      </a:accent3>
+      <a:accent4>
+        <a:srgbClr val="FFC000"/>
+      </a:accent4>
+      <a:accent5>
+        <a:srgbClr val="4472C4"/>
+      </a:accent5>
+      <a:accent6>
+        <a:srgbClr val="70AD47"/>
+      </a:accent6>
+      <a:hlink>
+        <a:srgbClr val="0563C1"/>
+      </a:hlink>
+      <a:folHlink>
+        <a:srgbClr val="954F72"/>
+      </a:folHlink>
+    </a:clrScheme>
+    <a:fontScheme name="Office">
+      <a:majorFont>
+        <a:latin typeface="Calibri Light" panose="020F0302020204030204"/>
+        <a:ea typeface=""/>
+        <a:cs typeface=""/>
+        <a:font script="Jpan" typeface="ＭＳ Ｐゴシック"/>
+        <a:font script="Hang" typeface="맑은 고딕"/>
+        <a:font script="Hans" typeface="宋体"/>
+        <a:font script="Hant" typeface="新細明體"/>
+        <a:font script="Arab" typeface="Times New Roman"/>
+        <a:font script="Hebr" typeface="Times New Roman"/>
+        <a:font script="Thai" typeface="Angsana New"/>
+        <a:font script="Ethi" typeface="Nyala"/>
+        <a:font script="Beng" typeface="Vrinda"/>
+        <a:font script="Gujr" typeface="Shruti"/>
+        <a:font script="Khmr" typeface="MoolBoran"/>
+        <a:font script="Knda" typeface="Tunga"/>
+        <a:font script="Guru" typeface="Raavi"/>
+        <a:font script="Cans" typeface="Euphemia"/>
+        <a:font script="Cher" typeface="Plantagenet Cherokee"/>
+        <a:font script="Yiii" typeface="Microsoft Yi Baiti"/>
+        <a:font script="Tibt" typeface="Microsoft Himalaya"/>
+        <a:font script="Thaa" typeface="MV Boli"/>
+        <a:font script="Deva" typeface="Mangal"/>
+        <a:font script="Telu" typeface="Gautami"/>
+        <a:font script="Taml" typeface="Latha"/>
+        <a:font script="Syrc" typeface="Estrangelo Edessa"/>
+        <a:font script="Orya" typeface="Kalinga"/>
+        <a:font script="Mlym" typeface="Kartika"/>
+        <a:font script="Laoo" typeface="DokChampa"/>
+        <a:font script="Sinh" typeface="Iskoola Pota"/>
+        <a:font script="Mong" typeface="Mongolian Baiti"/>
+        <a:font script="Viet" typeface="Times New Roman"/>
+        <a:font script="Uigh" typeface="Microsoft Uighur"/>
+        <a:font script="Geor" typeface="Sylfaen"/>
+      </a:majorFont>
+      <a:minorFont>
+        <a:latin typeface="Calibri" panose="020F0502020204030204"/>
+        <a:ea typeface=""/>
+        <a:cs typeface=""/>
+        <a:font script="Jpan" typeface="ＭＳ Ｐゴシック"/>
+        <a:font script="Hang" typeface="맑은 고딕"/>
+        <a:font script="Hans" typeface="宋体"/>
+        <a:font script="Hant" typeface="新細明體"/>
+        <a:font script="Arab" typeface="Arial"/>
+        <a:font script="Hebr" typeface="Arial"/>
+        <a:font script="Thai" typeface="Cordia New"/>
+        <a:font script="Ethi" typeface="Nyala"/>
+        <a:font script="Beng" typeface="Vrinda"/>
+        <a:font script="Gujr" typeface="Shruti"/>
+        <a:font script="Khmr" typeface="DaunPenh"/>
+        <a:font script="Knda" typeface="Tunga"/>
+        <a:font script="Guru" typeface="Raavi"/>
+        <a:font script="Cans" typeface="Euphemia"/>
+        <a:font script="Cher" typeface="Plantagenet Cherokee"/>
+        <a:font script="Yiii" typeface="Microsoft Yi Baiti"/>
+        <a:font script="Tibt" typeface="Microsoft Himalaya"/>
+        <a:font script="Thaa" typeface="MV Boli"/>
+        <a:font script="Deva" typeface="Mangal"/>
+        <a:font script="Telu" typeface="Gautami"/>
+        <a:font script="Taml" typeface="Latha"/>
+        <a:font script="Syrc" typeface="Estrangelo Edessa"/>
+        <a:font script="Orya" typeface="Kalinga"/>
+        <a:font script="Mlym" typeface="Kartika"/>
+        <a:font script="Laoo" typeface="DokChampa"/>
+        <a:font script="Sinh" typeface="Iskoola Pota"/>
+        <a:font script="Mong" typeface="Mongolian Baiti"/>
+        <a:font script="Viet" typeface="Arial"/>
+        <a:font script="Uigh" typeface="Microsoft Uighur"/>
+        <a:font script="Geor" typeface="Sylfaen"/>
+      </a:minorFont>
+    </a:fontScheme>
+    <a:fmtScheme name="Office">
+      <a:fillStyleLst>
+        <a:solidFill>
+          <a:schemeClr val="phClr"/>
+        </a:solidFill>
+        <a:gradFill rotWithShape="1">
+          <a:gsLst>
+            <a:gs pos="0">
+              <a:schemeClr val="phClr">
+                <a:lumMod val="110000"/>
+                <a:satMod val="105000"/>
+                <a:tint val="67000"/>
+              </a:schemeClr>
+            </a:gs>
+            <a:gs pos="50000">
+              <a:schemeClr val="phClr">
+                <a:lumMod val="105000"/>
+                <a:satMod val="103000"/>
+                <a:tint val="73000"/>
+              </a:schemeClr>
+            </a:gs>
+            <a:gs pos="100000">
+              <a:schemeClr val="phClr">
+                <a:lumMod val="105000"/>
+                <a:satMod val="109000"/>
+                <a:tint val="81000"/>
+              </a:schemeClr>
+            </a:gs>
+          </a:gsLst>
+          <a:lin ang="5400000" scaled="0"/>
+        </a:gradFill>
+        <a:gradFill rotWithShape="1">
+          <a:gsLst>
+            <a:gs pos="0">
+              <a:schemeClr val="phClr">
+                <a:satMod val="103000"/>
+                <a:lumMod val="102000"/>
+                <a:tint val="94000"/>
+              </a:schemeClr>
+            </a:gs>
+            <a:gs pos="50000">
+              <a:schemeClr val="phClr">
+                <a:satMod val="110000"/>
+                <a:lumMod val="100000"/>
+                <a:shade val="100000"/>
+              </a:schemeClr>
+            </a:gs>
+            <a:gs pos="100000">
+              <a:schemeClr val="phClr">
+                <a:lumMod val="99000"/>
+                <a:satMod val="120000"/>
+                <a:shade val="78000"/>
+              </a:schemeClr>
+            </a:gs>
+          </a:gsLst>
+          <a:lin ang="5400000" scaled="0"/>
+        </a:gradFill>
+      </a:fillStyleLst>
+      <a:lnStyleLst>
+        <a:ln w="6350" cap="flat" cmpd="sng" algn="ctr">
+          <a:solidFill>
+            <a:schemeClr val="phClr"/>
+          </a:solidFill>
+          <a:prstDash val="solid"/>
+          <a:miter lim="800000"/>
+        </a:ln>
+        <a:ln w="12700" cap="flat" cmpd="sng" algn="ctr">
+          <a:solidFill>
+            <a:schemeClr val="phClr"/>
+          </a:solidFill>
+          <a:prstDash val="solid"/>
+          <a:miter lim="800000"/>
+        </a:ln>
+        <a:ln w="19050" cap="flat" cmpd="sng" algn="ctr">
+          <a:solidFill>
+            <a:schemeClr val="phClr"/>
+          </a:solidFill>
+          <a:prstDash val="solid"/>
+          <a:miter lim="800000"/>
+        </a:ln>
+      </a:lnStyleLst>
+      <a:effectStyleLst>
+        <a:effectStyle>
+          <a:effectLst/>
+        </a:effectStyle>
+        <a:effectStyle>
+          <a:effectLst/>
+        </a:effectStyle>
+        <a:effectStyle>
+          <a:effectLst>
+            <a:outerShdw blurRad="57150" dist="19050" dir="5400000" algn="ctr" rotWithShape="0">
+              <a:srgbClr val="000000">
+                <a:alpha val="63000"/>
+              </a:srgbClr>
+            </a:outerShdw>
+          </a:effectLst>
+        </a:effectStyle>
+      </a:effectStyleLst>
+      <a:bgFillStyleLst>
+        <a:solidFill>
+          <a:schemeClr val="phClr"/>
+        </a:solidFill>
+        <a:solidFill>
+          <a:schemeClr val="phClr">
+            <a:tint val="95000"/>
+            <a:satMod val="170000"/>
+          </a:schemeClr>
+        </a:solidFill>
+        <a:gradFill rotWithShape="1">
+          <a:gsLst>
+            <a:gs pos="0">
+              <a:schemeClr val="phClr">
+                <a:tint val="93000"/>
+                <a:satMod val="150000"/>
+                <a:shade val="98000"/>
+                <a:lumMod val="102000"/>
+              </a:schemeClr>
+            </a:gs>
+            <a:gs pos="50000">
+              <a:schemeClr val="phClr">
+                <a:tint val="98000"/>
+                <a:satMod val="130000"/>
+                <a:shade val="90000"/>
+                <a:lumMod val="103000"/>
+              </a:schemeClr>
+            </a:gs>
+            <a:gs pos="100000">
+              <a:schemeClr val="phClr">
+                <a:shade val="63000"/>
+                <a:satMod val="120000"/>
+              </a:schemeClr>
+            </a:gs>
+          </a:gsLst>
+          <a:lin ang="5400000" scaled="0"/>
+        </a:gradFill>
+      </a:bgFillStyleLst>
+    </a:fmtScheme>
+  </a:themeElements>
+  <a:objectDefaults/>
+  <a:extraClrSchemeLst/>
+  <a:extLst>
+    <a:ext uri="{05A4C25C-085E-4340-85A3-A5531E510DB2}">
+      <thm15:themeFamily xmlns:thm15="http://schemas.microsoft.com/office/thememl/2012/main" name="Office Theme" id="{62F939B6-93AF-4DB8-9C6B-D6C7DFDC589F}" vid="{4A3C46E8-61CC-4603-A589-7422A47A8E4A}"/>
+    </a:ext>
+  </a:extLst>
+</a:theme>
 </file>